--- a/lectures/3_coding_practices.pptx
+++ b/lectures/3_coding_practices.pptx
@@ -215,7 +215,7 @@
           <a:p>
             <a:fld id="{7580552C-E0FB-45E2-A101-ECC7D678B809}" type="datetimeFigureOut">
               <a:rPr lang="en-GB" smtClean="0"/>
-              <a:t>28/08/2019</a:t>
+              <a:t>03/09/2019</a:t>
             </a:fld>
             <a:endParaRPr lang="en-GB"/>
           </a:p>
@@ -1498,7 +1498,7 @@
           <a:p>
             <a:fld id="{D6602127-F9A8-4410-95C3-55BC73E82165}" type="datetimeFigureOut">
               <a:rPr lang="en-GB" smtClean="0"/>
-              <a:t>28/08/2019</a:t>
+              <a:t>03/09/2019</a:t>
             </a:fld>
             <a:endParaRPr lang="en-GB"/>
           </a:p>
@@ -1668,7 +1668,7 @@
           <a:p>
             <a:fld id="{D6602127-F9A8-4410-95C3-55BC73E82165}" type="datetimeFigureOut">
               <a:rPr lang="en-GB" smtClean="0"/>
-              <a:t>28/08/2019</a:t>
+              <a:t>03/09/2019</a:t>
             </a:fld>
             <a:endParaRPr lang="en-GB"/>
           </a:p>
@@ -1848,7 +1848,7 @@
           <a:p>
             <a:fld id="{D6602127-F9A8-4410-95C3-55BC73E82165}" type="datetimeFigureOut">
               <a:rPr lang="en-GB" smtClean="0"/>
-              <a:t>28/08/2019</a:t>
+              <a:t>03/09/2019</a:t>
             </a:fld>
             <a:endParaRPr lang="en-GB"/>
           </a:p>
@@ -2018,7 +2018,7 @@
           <a:p>
             <a:fld id="{D6602127-F9A8-4410-95C3-55BC73E82165}" type="datetimeFigureOut">
               <a:rPr lang="en-GB" smtClean="0"/>
-              <a:t>28/08/2019</a:t>
+              <a:t>03/09/2019</a:t>
             </a:fld>
             <a:endParaRPr lang="en-GB"/>
           </a:p>
@@ -2264,7 +2264,7 @@
           <a:p>
             <a:fld id="{D6602127-F9A8-4410-95C3-55BC73E82165}" type="datetimeFigureOut">
               <a:rPr lang="en-GB" smtClean="0"/>
-              <a:t>28/08/2019</a:t>
+              <a:t>03/09/2019</a:t>
             </a:fld>
             <a:endParaRPr lang="en-GB"/>
           </a:p>
@@ -2496,7 +2496,7 @@
           <a:p>
             <a:fld id="{D6602127-F9A8-4410-95C3-55BC73E82165}" type="datetimeFigureOut">
               <a:rPr lang="en-GB" smtClean="0"/>
-              <a:t>28/08/2019</a:t>
+              <a:t>03/09/2019</a:t>
             </a:fld>
             <a:endParaRPr lang="en-GB"/>
           </a:p>
@@ -2868,7 +2868,7 @@
           <a:p>
             <a:fld id="{D6602127-F9A8-4410-95C3-55BC73E82165}" type="datetimeFigureOut">
               <a:rPr lang="en-GB" smtClean="0"/>
-              <a:t>28/08/2019</a:t>
+              <a:t>03/09/2019</a:t>
             </a:fld>
             <a:endParaRPr lang="en-GB"/>
           </a:p>
@@ -2991,7 +2991,7 @@
           <a:p>
             <a:fld id="{D6602127-F9A8-4410-95C3-55BC73E82165}" type="datetimeFigureOut">
               <a:rPr lang="en-GB" smtClean="0"/>
-              <a:t>28/08/2019</a:t>
+              <a:t>03/09/2019</a:t>
             </a:fld>
             <a:endParaRPr lang="en-GB"/>
           </a:p>
@@ -3086,7 +3086,7 @@
           <a:p>
             <a:fld id="{D6602127-F9A8-4410-95C3-55BC73E82165}" type="datetimeFigureOut">
               <a:rPr lang="en-GB" smtClean="0"/>
-              <a:t>28/08/2019</a:t>
+              <a:t>03/09/2019</a:t>
             </a:fld>
             <a:endParaRPr lang="en-GB"/>
           </a:p>
@@ -3363,7 +3363,7 @@
           <a:p>
             <a:fld id="{D6602127-F9A8-4410-95C3-55BC73E82165}" type="datetimeFigureOut">
               <a:rPr lang="en-GB" smtClean="0"/>
-              <a:t>28/08/2019</a:t>
+              <a:t>03/09/2019</a:t>
             </a:fld>
             <a:endParaRPr lang="en-GB"/>
           </a:p>
@@ -3625,7 +3625,7 @@
           <a:p>
             <a:fld id="{D6602127-F9A8-4410-95C3-55BC73E82165}" type="datetimeFigureOut">
               <a:rPr lang="en-GB" smtClean="0"/>
-              <a:t>28/08/2019</a:t>
+              <a:t>03/09/2019</a:t>
             </a:fld>
             <a:endParaRPr lang="en-GB"/>
           </a:p>
@@ -3838,7 +3838,7 @@
           <a:p>
             <a:fld id="{D6602127-F9A8-4410-95C3-55BC73E82165}" type="datetimeFigureOut">
               <a:rPr lang="en-GB" smtClean="0"/>
-              <a:t>28/08/2019</a:t>
+              <a:t>03/09/2019</a:t>
             </a:fld>
             <a:endParaRPr lang="en-GB"/>
           </a:p>
@@ -4562,7 +4562,7 @@
           <a:p>
             <a:r>
               <a:rPr lang="en-GB" dirty="0"/>
-              <a:t>Make an API</a:t>
+              <a:t>Make an API/package</a:t>
             </a:r>
           </a:p>
         </p:txBody>
